--- a/Documentation/momentum_builder_ppt.pptx
+++ b/Documentation/momentum_builder_ppt.pptx
@@ -1,29 +1,31 @@
 
 <file path=ppt/presentation.xml><?xml version="1.0" encoding="utf-8"?>
-<p:presentation xmlns:a="http://schemas.openxmlformats.org/drawingml/2006/main" xmlns:r="http://schemas.openxmlformats.org/officeDocument/2006/relationships" xmlns:p="http://schemas.openxmlformats.org/presentationml/2006/main" saveSubsetFonts="1" embedTrueTypeFonts="true">
+<p:presentation xmlns:a="http://schemas.openxmlformats.org/drawingml/2006/main" xmlns:r="http://schemas.openxmlformats.org/officeDocument/2006/relationships" xmlns:p="http://schemas.openxmlformats.org/presentationml/2006/main" embedTrueTypeFonts="1" saveSubsetFonts="1">
   <p:sldMasterIdLst>
     <p:sldMasterId id="2147483648" r:id="rId1"/>
   </p:sldMasterIdLst>
   <p:sldIdLst>
-    <p:sldId id="256" r:id="rId6"/>
-    <p:sldId id="257" r:id="rId7"/>
-    <p:sldId id="258" r:id="rId8"/>
-    <p:sldId id="259" r:id="rId9"/>
+    <p:sldId id="256" r:id="rId2"/>
+    <p:sldId id="257" r:id="rId3"/>
+    <p:sldId id="259" r:id="rId4"/>
+    <p:sldId id="258" r:id="rId5"/>
+    <p:sldId id="260" r:id="rId6"/>
+    <p:sldId id="261" r:id="rId7"/>
   </p:sldIdLst>
   <p:sldSz cx="18288000" cy="10287000"/>
   <p:notesSz cx="6858000" cy="9144000"/>
   <p:embeddedFontLst>
     <p:embeddedFont>
-      <p:font typeface="Poppins" charset="1" panose="00000500000000000000"/>
-      <p:regular r:id="rId10"/>
+      <p:font typeface="League Spartan" panose="020B0604020202020204" charset="0"/>
+      <p:regular r:id="rId8"/>
     </p:embeddedFont>
     <p:embeddedFont>
-      <p:font typeface="League Spartan" charset="1" panose="00000800000000000000"/>
-      <p:regular r:id="rId11"/>
+      <p:font typeface="Poppins" panose="00000500000000000000" pitchFamily="2" charset="0"/>
+      <p:regular r:id="rId9"/>
     </p:embeddedFont>
     <p:embeddedFont>
-      <p:font typeface="Poppins Bold" charset="1" panose="00000800000000000000"/>
-      <p:regular r:id="rId12"/>
+      <p:font typeface="Poppins Bold" panose="020B0604020202020204" charset="0"/>
+      <p:regular r:id="rId10"/>
     </p:embeddedFont>
   </p:embeddedFontLst>
   <p:defaultTextStyle>
@@ -121,6 +123,22 @@
       </a:defRPr>
     </a:lvl9pPr>
   </p:defaultTextStyle>
+  <p:extLst>
+    <p:ext uri="{EFAFB233-063F-42B5-8137-9DF3F51BA10A}">
+      <p15:sldGuideLst xmlns:p15="http://schemas.microsoft.com/office/powerpoint/2012/main">
+        <p15:guide id="1" orient="horz" pos="2160">
+          <p15:clr>
+            <a:srgbClr val="A4A3A4"/>
+          </p15:clr>
+        </p15:guide>
+        <p15:guide id="2" pos="2880">
+          <p15:clr>
+            <a:srgbClr val="A4A3A4"/>
+          </p15:clr>
+        </p15:guide>
+      </p15:sldGuideLst>
+    </p:ext>
+  </p:extLst>
 </p:presentation>
 </file>
 
@@ -162,10 +180,9 @@
           <a:lstStyle/>
           <a:p>
             <a:r>
-              <a:rPr lang="en-US" smtClean="0"/>
+              <a:rPr lang="en-US"/>
               <a:t>Click to edit Master title style</a:t>
             </a:r>
-            <a:endParaRPr lang="en-US"/>
           </a:p>
         </p:txBody>
       </p:sp>
@@ -281,10 +298,9 @@
           </a:lstStyle>
           <a:p>
             <a:r>
-              <a:rPr lang="en-US" smtClean="0"/>
+              <a:rPr lang="en-US"/>
               <a:t>Click to edit Master subtitle style</a:t>
             </a:r>
-            <a:endParaRPr lang="en-US"/>
           </a:p>
         </p:txBody>
       </p:sp>
@@ -306,7 +322,7 @@
             <a:fld id="{1D8BD707-D9CF-40AE-B4C6-C98DA3205C09}" type="datetimeFigureOut">
               <a:rPr lang="en-US" smtClean="0"/>
               <a:pPr/>
-              <a:t>8/1/2011</a:t>
+              <a:t>4/24/2025</a:t>
             </a:fld>
             <a:endParaRPr lang="en-US"/>
           </a:p>
@@ -396,10 +412,9 @@
           <a:lstStyle/>
           <a:p>
             <a:r>
-              <a:rPr lang="en-US" smtClean="0"/>
+              <a:rPr lang="en-US"/>
               <a:t>Click to edit Master title style</a:t>
             </a:r>
-            <a:endParaRPr lang="en-US"/>
           </a:p>
         </p:txBody>
       </p:sp>
@@ -420,38 +435,37 @@
           <a:p>
             <a:pPr lvl="0"/>
             <a:r>
-              <a:rPr lang="en-US" smtClean="0"/>
+              <a:rPr lang="en-US"/>
               <a:t>Click to edit Master text styles</a:t>
             </a:r>
           </a:p>
           <a:p>
             <a:pPr lvl="1"/>
             <a:r>
-              <a:rPr lang="en-US" smtClean="0"/>
+              <a:rPr lang="en-US"/>
               <a:t>Second level</a:t>
             </a:r>
           </a:p>
           <a:p>
             <a:pPr lvl="2"/>
             <a:r>
-              <a:rPr lang="en-US" smtClean="0"/>
+              <a:rPr lang="en-US"/>
               <a:t>Third level</a:t>
             </a:r>
           </a:p>
           <a:p>
             <a:pPr lvl="3"/>
             <a:r>
-              <a:rPr lang="en-US" smtClean="0"/>
+              <a:rPr lang="en-US"/>
               <a:t>Fourth level</a:t>
             </a:r>
           </a:p>
           <a:p>
             <a:pPr lvl="4"/>
             <a:r>
-              <a:rPr lang="en-US" smtClean="0"/>
+              <a:rPr lang="en-US"/>
               <a:t>Fifth level</a:t>
             </a:r>
-            <a:endParaRPr lang="en-US"/>
           </a:p>
         </p:txBody>
       </p:sp>
@@ -473,7 +487,7 @@
             <a:fld id="{1D8BD707-D9CF-40AE-B4C6-C98DA3205C09}" type="datetimeFigureOut">
               <a:rPr lang="en-US" smtClean="0"/>
               <a:pPr/>
-              <a:t>8/1/2011</a:t>
+              <a:t>4/24/2025</a:t>
             </a:fld>
             <a:endParaRPr lang="en-US"/>
           </a:p>
@@ -568,10 +582,9 @@
           <a:lstStyle/>
           <a:p>
             <a:r>
-              <a:rPr lang="en-US" smtClean="0"/>
+              <a:rPr lang="en-US"/>
               <a:t>Click to edit Master title style</a:t>
             </a:r>
-            <a:endParaRPr lang="en-US"/>
           </a:p>
         </p:txBody>
       </p:sp>
@@ -597,38 +610,37 @@
           <a:p>
             <a:pPr lvl="0"/>
             <a:r>
-              <a:rPr lang="en-US" smtClean="0"/>
+              <a:rPr lang="en-US"/>
               <a:t>Click to edit Master text styles</a:t>
             </a:r>
           </a:p>
           <a:p>
             <a:pPr lvl="1"/>
             <a:r>
-              <a:rPr lang="en-US" smtClean="0"/>
+              <a:rPr lang="en-US"/>
               <a:t>Second level</a:t>
             </a:r>
           </a:p>
           <a:p>
             <a:pPr lvl="2"/>
             <a:r>
-              <a:rPr lang="en-US" smtClean="0"/>
+              <a:rPr lang="en-US"/>
               <a:t>Third level</a:t>
             </a:r>
           </a:p>
           <a:p>
             <a:pPr lvl="3"/>
             <a:r>
-              <a:rPr lang="en-US" smtClean="0"/>
+              <a:rPr lang="en-US"/>
               <a:t>Fourth level</a:t>
             </a:r>
           </a:p>
           <a:p>
             <a:pPr lvl="4"/>
             <a:r>
-              <a:rPr lang="en-US" smtClean="0"/>
+              <a:rPr lang="en-US"/>
               <a:t>Fifth level</a:t>
             </a:r>
-            <a:endParaRPr lang="en-US"/>
           </a:p>
         </p:txBody>
       </p:sp>
@@ -650,7 +662,7 @@
             <a:fld id="{1D8BD707-D9CF-40AE-B4C6-C98DA3205C09}" type="datetimeFigureOut">
               <a:rPr lang="en-US" smtClean="0"/>
               <a:pPr/>
-              <a:t>8/1/2011</a:t>
+              <a:t>4/24/2025</a:t>
             </a:fld>
             <a:endParaRPr lang="en-US"/>
           </a:p>
@@ -740,10 +752,9 @@
           <a:lstStyle/>
           <a:p>
             <a:r>
-              <a:rPr lang="en-US" smtClean="0"/>
+              <a:rPr lang="en-US"/>
               <a:t>Click to edit Master title style</a:t>
             </a:r>
-            <a:endParaRPr lang="en-US"/>
           </a:p>
         </p:txBody>
       </p:sp>
@@ -764,38 +775,37 @@
           <a:p>
             <a:pPr lvl="0"/>
             <a:r>
-              <a:rPr lang="en-US" smtClean="0"/>
+              <a:rPr lang="en-US"/>
               <a:t>Click to edit Master text styles</a:t>
             </a:r>
           </a:p>
           <a:p>
             <a:pPr lvl="1"/>
             <a:r>
-              <a:rPr lang="en-US" smtClean="0"/>
+              <a:rPr lang="en-US"/>
               <a:t>Second level</a:t>
             </a:r>
           </a:p>
           <a:p>
             <a:pPr lvl="2"/>
             <a:r>
-              <a:rPr lang="en-US" smtClean="0"/>
+              <a:rPr lang="en-US"/>
               <a:t>Third level</a:t>
             </a:r>
           </a:p>
           <a:p>
             <a:pPr lvl="3"/>
             <a:r>
-              <a:rPr lang="en-US" smtClean="0"/>
+              <a:rPr lang="en-US"/>
               <a:t>Fourth level</a:t>
             </a:r>
           </a:p>
           <a:p>
             <a:pPr lvl="4"/>
             <a:r>
-              <a:rPr lang="en-US" smtClean="0"/>
+              <a:rPr lang="en-US"/>
               <a:t>Fifth level</a:t>
             </a:r>
-            <a:endParaRPr lang="en-US"/>
           </a:p>
         </p:txBody>
       </p:sp>
@@ -817,7 +827,7 @@
             <a:fld id="{1D8BD707-D9CF-40AE-B4C6-C98DA3205C09}" type="datetimeFigureOut">
               <a:rPr lang="en-US" smtClean="0"/>
               <a:pPr/>
-              <a:t>8/1/2011</a:t>
+              <a:t>4/24/2025</a:t>
             </a:fld>
             <a:endParaRPr lang="en-US"/>
           </a:p>
@@ -916,10 +926,9 @@
           </a:lstStyle>
           <a:p>
             <a:r>
-              <a:rPr lang="en-US" smtClean="0"/>
+              <a:rPr lang="en-US"/>
               <a:t>Click to edit Master title style</a:t>
             </a:r>
-            <a:endParaRPr lang="en-US"/>
           </a:p>
         </p:txBody>
       </p:sp>
@@ -1036,7 +1045,7 @@
           <a:p>
             <a:pPr lvl="0"/>
             <a:r>
-              <a:rPr lang="en-US" smtClean="0"/>
+              <a:rPr lang="en-US"/>
               <a:t>Click to edit Master text styles</a:t>
             </a:r>
           </a:p>
@@ -1060,7 +1069,7 @@
             <a:fld id="{1D8BD707-D9CF-40AE-B4C6-C98DA3205C09}" type="datetimeFigureOut">
               <a:rPr lang="en-US" smtClean="0"/>
               <a:pPr/>
-              <a:t>8/1/2011</a:t>
+              <a:t>4/24/2025</a:t>
             </a:fld>
             <a:endParaRPr lang="en-US"/>
           </a:p>
@@ -1150,10 +1159,9 @@
           <a:lstStyle/>
           <a:p>
             <a:r>
-              <a:rPr lang="en-US" smtClean="0"/>
+              <a:rPr lang="en-US"/>
               <a:t>Click to edit Master title style</a:t>
             </a:r>
-            <a:endParaRPr lang="en-US"/>
           </a:p>
         </p:txBody>
       </p:sp>
@@ -1207,38 +1215,37 @@
           <a:p>
             <a:pPr lvl="0"/>
             <a:r>
-              <a:rPr lang="en-US" smtClean="0"/>
+              <a:rPr lang="en-US"/>
               <a:t>Click to edit Master text styles</a:t>
             </a:r>
           </a:p>
           <a:p>
             <a:pPr lvl="1"/>
             <a:r>
-              <a:rPr lang="en-US" smtClean="0"/>
+              <a:rPr lang="en-US"/>
               <a:t>Second level</a:t>
             </a:r>
           </a:p>
           <a:p>
             <a:pPr lvl="2"/>
             <a:r>
-              <a:rPr lang="en-US" smtClean="0"/>
+              <a:rPr lang="en-US"/>
               <a:t>Third level</a:t>
             </a:r>
           </a:p>
           <a:p>
             <a:pPr lvl="3"/>
             <a:r>
-              <a:rPr lang="en-US" smtClean="0"/>
+              <a:rPr lang="en-US"/>
               <a:t>Fourth level</a:t>
             </a:r>
           </a:p>
           <a:p>
             <a:pPr lvl="4"/>
             <a:r>
-              <a:rPr lang="en-US" smtClean="0"/>
+              <a:rPr lang="en-US"/>
               <a:t>Fifth level</a:t>
             </a:r>
-            <a:endParaRPr lang="en-US"/>
           </a:p>
         </p:txBody>
       </p:sp>
@@ -1292,38 +1299,37 @@
           <a:p>
             <a:pPr lvl="0"/>
             <a:r>
-              <a:rPr lang="en-US" smtClean="0"/>
+              <a:rPr lang="en-US"/>
               <a:t>Click to edit Master text styles</a:t>
             </a:r>
           </a:p>
           <a:p>
             <a:pPr lvl="1"/>
             <a:r>
-              <a:rPr lang="en-US" smtClean="0"/>
+              <a:rPr lang="en-US"/>
               <a:t>Second level</a:t>
             </a:r>
           </a:p>
           <a:p>
             <a:pPr lvl="2"/>
             <a:r>
-              <a:rPr lang="en-US" smtClean="0"/>
+              <a:rPr lang="en-US"/>
               <a:t>Third level</a:t>
             </a:r>
           </a:p>
           <a:p>
             <a:pPr lvl="3"/>
             <a:r>
-              <a:rPr lang="en-US" smtClean="0"/>
+              <a:rPr lang="en-US"/>
               <a:t>Fourth level</a:t>
             </a:r>
           </a:p>
           <a:p>
             <a:pPr lvl="4"/>
             <a:r>
-              <a:rPr lang="en-US" smtClean="0"/>
+              <a:rPr lang="en-US"/>
               <a:t>Fifth level</a:t>
             </a:r>
-            <a:endParaRPr lang="en-US"/>
           </a:p>
         </p:txBody>
       </p:sp>
@@ -1345,7 +1351,7 @@
             <a:fld id="{1D8BD707-D9CF-40AE-B4C6-C98DA3205C09}" type="datetimeFigureOut">
               <a:rPr lang="en-US" smtClean="0"/>
               <a:pPr/>
-              <a:t>8/1/2011</a:t>
+              <a:t>4/24/2025</a:t>
             </a:fld>
             <a:endParaRPr lang="en-US"/>
           </a:p>
@@ -1439,10 +1445,9 @@
           </a:lstStyle>
           <a:p>
             <a:r>
-              <a:rPr lang="en-US" smtClean="0"/>
+              <a:rPr lang="en-US"/>
               <a:t>Click to edit Master title style</a:t>
             </a:r>
-            <a:endParaRPr lang="en-US"/>
           </a:p>
         </p:txBody>
       </p:sp>
@@ -1505,7 +1510,7 @@
           <a:p>
             <a:pPr lvl="0"/>
             <a:r>
-              <a:rPr lang="en-US" smtClean="0"/>
+              <a:rPr lang="en-US"/>
               <a:t>Click to edit Master text styles</a:t>
             </a:r>
           </a:p>
@@ -1561,38 +1566,37 @@
           <a:p>
             <a:pPr lvl="0"/>
             <a:r>
-              <a:rPr lang="en-US" smtClean="0"/>
+              <a:rPr lang="en-US"/>
               <a:t>Click to edit Master text styles</a:t>
             </a:r>
           </a:p>
           <a:p>
             <a:pPr lvl="1"/>
             <a:r>
-              <a:rPr lang="en-US" smtClean="0"/>
+              <a:rPr lang="en-US"/>
               <a:t>Second level</a:t>
             </a:r>
           </a:p>
           <a:p>
             <a:pPr lvl="2"/>
             <a:r>
-              <a:rPr lang="en-US" smtClean="0"/>
+              <a:rPr lang="en-US"/>
               <a:t>Third level</a:t>
             </a:r>
           </a:p>
           <a:p>
             <a:pPr lvl="3"/>
             <a:r>
-              <a:rPr lang="en-US" smtClean="0"/>
+              <a:rPr lang="en-US"/>
               <a:t>Fourth level</a:t>
             </a:r>
           </a:p>
           <a:p>
             <a:pPr lvl="4"/>
             <a:r>
-              <a:rPr lang="en-US" smtClean="0"/>
+              <a:rPr lang="en-US"/>
               <a:t>Fifth level</a:t>
             </a:r>
-            <a:endParaRPr lang="en-US"/>
           </a:p>
         </p:txBody>
       </p:sp>
@@ -1655,7 +1659,7 @@
           <a:p>
             <a:pPr lvl="0"/>
             <a:r>
-              <a:rPr lang="en-US" smtClean="0"/>
+              <a:rPr lang="en-US"/>
               <a:t>Click to edit Master text styles</a:t>
             </a:r>
           </a:p>
@@ -1711,38 +1715,37 @@
           <a:p>
             <a:pPr lvl="0"/>
             <a:r>
-              <a:rPr lang="en-US" smtClean="0"/>
+              <a:rPr lang="en-US"/>
               <a:t>Click to edit Master text styles</a:t>
             </a:r>
           </a:p>
           <a:p>
             <a:pPr lvl="1"/>
             <a:r>
-              <a:rPr lang="en-US" smtClean="0"/>
+              <a:rPr lang="en-US"/>
               <a:t>Second level</a:t>
             </a:r>
           </a:p>
           <a:p>
             <a:pPr lvl="2"/>
             <a:r>
-              <a:rPr lang="en-US" smtClean="0"/>
+              <a:rPr lang="en-US"/>
               <a:t>Third level</a:t>
             </a:r>
           </a:p>
           <a:p>
             <a:pPr lvl="3"/>
             <a:r>
-              <a:rPr lang="en-US" smtClean="0"/>
+              <a:rPr lang="en-US"/>
               <a:t>Fourth level</a:t>
             </a:r>
           </a:p>
           <a:p>
             <a:pPr lvl="4"/>
             <a:r>
-              <a:rPr lang="en-US" smtClean="0"/>
+              <a:rPr lang="en-US"/>
               <a:t>Fifth level</a:t>
             </a:r>
-            <a:endParaRPr lang="en-US"/>
           </a:p>
         </p:txBody>
       </p:sp>
@@ -1764,7 +1767,7 @@
             <a:fld id="{1D8BD707-D9CF-40AE-B4C6-C98DA3205C09}" type="datetimeFigureOut">
               <a:rPr lang="en-US" smtClean="0"/>
               <a:pPr/>
-              <a:t>8/1/2011</a:t>
+              <a:t>4/24/2025</a:t>
             </a:fld>
             <a:endParaRPr lang="en-US"/>
           </a:p>
@@ -1854,10 +1857,9 @@
           <a:lstStyle/>
           <a:p>
             <a:r>
-              <a:rPr lang="en-US" smtClean="0"/>
+              <a:rPr lang="en-US"/>
               <a:t>Click to edit Master title style</a:t>
             </a:r>
-            <a:endParaRPr lang="en-US"/>
           </a:p>
         </p:txBody>
       </p:sp>
@@ -1879,7 +1881,7 @@
             <a:fld id="{1D8BD707-D9CF-40AE-B4C6-C98DA3205C09}" type="datetimeFigureOut">
               <a:rPr lang="en-US" smtClean="0"/>
               <a:pPr/>
-              <a:t>8/1/2011</a:t>
+              <a:t>4/24/2025</a:t>
             </a:fld>
             <a:endParaRPr lang="en-US"/>
           </a:p>
@@ -1971,7 +1973,7 @@
             <a:fld id="{1D8BD707-D9CF-40AE-B4C6-C98DA3205C09}" type="datetimeFigureOut">
               <a:rPr lang="en-US" smtClean="0"/>
               <a:pPr/>
-              <a:t>8/1/2011</a:t>
+              <a:t>4/24/2025</a:t>
             </a:fld>
             <a:endParaRPr lang="en-US"/>
           </a:p>
@@ -2070,10 +2072,9 @@
           </a:lstStyle>
           <a:p>
             <a:r>
-              <a:rPr lang="en-US" smtClean="0"/>
+              <a:rPr lang="en-US"/>
               <a:t>Click to edit Master title style</a:t>
             </a:r>
-            <a:endParaRPr lang="en-US"/>
           </a:p>
         </p:txBody>
       </p:sp>
@@ -2127,38 +2128,37 @@
           <a:p>
             <a:pPr lvl="0"/>
             <a:r>
-              <a:rPr lang="en-US" smtClean="0"/>
+              <a:rPr lang="en-US"/>
               <a:t>Click to edit Master text styles</a:t>
             </a:r>
           </a:p>
           <a:p>
             <a:pPr lvl="1"/>
             <a:r>
-              <a:rPr lang="en-US" smtClean="0"/>
+              <a:rPr lang="en-US"/>
               <a:t>Second level</a:t>
             </a:r>
           </a:p>
           <a:p>
             <a:pPr lvl="2"/>
             <a:r>
-              <a:rPr lang="en-US" smtClean="0"/>
+              <a:rPr lang="en-US"/>
               <a:t>Third level</a:t>
             </a:r>
           </a:p>
           <a:p>
             <a:pPr lvl="3"/>
             <a:r>
-              <a:rPr lang="en-US" smtClean="0"/>
+              <a:rPr lang="en-US"/>
               <a:t>Fourth level</a:t>
             </a:r>
           </a:p>
           <a:p>
             <a:pPr lvl="4"/>
             <a:r>
-              <a:rPr lang="en-US" smtClean="0"/>
+              <a:rPr lang="en-US"/>
               <a:t>Fifth level</a:t>
             </a:r>
-            <a:endParaRPr lang="en-US"/>
           </a:p>
         </p:txBody>
       </p:sp>
@@ -2221,7 +2221,7 @@
           <a:p>
             <a:pPr lvl="0"/>
             <a:r>
-              <a:rPr lang="en-US" smtClean="0"/>
+              <a:rPr lang="en-US"/>
               <a:t>Click to edit Master text styles</a:t>
             </a:r>
           </a:p>
@@ -2245,7 +2245,7 @@
             <a:fld id="{1D8BD707-D9CF-40AE-B4C6-C98DA3205C09}" type="datetimeFigureOut">
               <a:rPr lang="en-US" smtClean="0"/>
               <a:pPr/>
-              <a:t>8/1/2011</a:t>
+              <a:t>4/24/2025</a:t>
             </a:fld>
             <a:endParaRPr lang="en-US"/>
           </a:p>
@@ -2344,10 +2344,9 @@
           </a:lstStyle>
           <a:p>
             <a:r>
-              <a:rPr lang="en-US" smtClean="0"/>
+              <a:rPr lang="en-US"/>
               <a:t>Click to edit Master title style</a:t>
             </a:r>
-            <a:endParaRPr lang="en-US"/>
           </a:p>
         </p:txBody>
       </p:sp>
@@ -2471,7 +2470,7 @@
           <a:p>
             <a:pPr lvl="0"/>
             <a:r>
-              <a:rPr lang="en-US" smtClean="0"/>
+              <a:rPr lang="en-US"/>
               <a:t>Click to edit Master text styles</a:t>
             </a:r>
           </a:p>
@@ -2495,7 +2494,7 @@
             <a:fld id="{1D8BD707-D9CF-40AE-B4C6-C98DA3205C09}" type="datetimeFigureOut">
               <a:rPr lang="en-US" smtClean="0"/>
               <a:pPr/>
-              <a:t>8/1/2011</a:t>
+              <a:t>4/24/2025</a:t>
             </a:fld>
             <a:endParaRPr lang="en-US"/>
           </a:p>
@@ -2600,10 +2599,9 @@
           <a:lstStyle/>
           <a:p>
             <a:r>
-              <a:rPr lang="en-US" smtClean="0"/>
+              <a:rPr lang="en-US"/>
               <a:t>Click to edit Master title style</a:t>
             </a:r>
-            <a:endParaRPr lang="en-US"/>
           </a:p>
         </p:txBody>
       </p:sp>
@@ -2634,38 +2632,37 @@
           <a:p>
             <a:pPr lvl="0"/>
             <a:r>
-              <a:rPr lang="en-US" smtClean="0"/>
+              <a:rPr lang="en-US"/>
               <a:t>Click to edit Master text styles</a:t>
             </a:r>
           </a:p>
           <a:p>
             <a:pPr lvl="1"/>
             <a:r>
-              <a:rPr lang="en-US" smtClean="0"/>
+              <a:rPr lang="en-US"/>
               <a:t>Second level</a:t>
             </a:r>
           </a:p>
           <a:p>
             <a:pPr lvl="2"/>
             <a:r>
-              <a:rPr lang="en-US" smtClean="0"/>
+              <a:rPr lang="en-US"/>
               <a:t>Third level</a:t>
             </a:r>
           </a:p>
           <a:p>
             <a:pPr lvl="3"/>
             <a:r>
-              <a:rPr lang="en-US" smtClean="0"/>
+              <a:rPr lang="en-US"/>
               <a:t>Fourth level</a:t>
             </a:r>
           </a:p>
           <a:p>
             <a:pPr lvl="4"/>
             <a:r>
-              <a:rPr lang="en-US" smtClean="0"/>
+              <a:rPr lang="en-US"/>
               <a:t>Fifth level</a:t>
             </a:r>
-            <a:endParaRPr lang="en-US"/>
           </a:p>
         </p:txBody>
       </p:sp>
@@ -2705,7 +2702,7 @@
             <a:fld id="{1D8BD707-D9CF-40AE-B4C6-C98DA3205C09}" type="datetimeFigureOut">
               <a:rPr lang="en-US" smtClean="0"/>
               <a:pPr/>
-              <a:t>8/1/2011</a:t>
+              <a:t>4/24/2025</a:t>
             </a:fld>
             <a:endParaRPr lang="en-US"/>
           </a:p>
@@ -3060,13 +3057,14 @@
 </file>
 
 <file path=ppt/slides/slide1.xml><?xml version="1.0" encoding="utf-8"?>
-<p:sld xmlns:p="http://schemas.openxmlformats.org/presentationml/2006/main" xmlns:a="http://schemas.openxmlformats.org/drawingml/2006/main" xmlns:r="http://schemas.openxmlformats.org/officeDocument/2006/relationships">
+<p:sld xmlns:a="http://schemas.openxmlformats.org/drawingml/2006/main" xmlns:r="http://schemas.openxmlformats.org/officeDocument/2006/relationships" xmlns:p="http://schemas.openxmlformats.org/presentationml/2006/main">
   <p:cSld>
     <p:bg>
       <p:bgPr>
         <a:solidFill>
           <a:srgbClr val="024731"/>
         </a:solidFill>
+        <a:effectLst/>
       </p:bgPr>
     </p:bg>
     <p:spTree>
@@ -3085,12 +3083,12 @@
       </p:grpSpPr>
       <p:sp>
         <p:nvSpPr>
-          <p:cNvPr name="TextBox 2" id="2"/>
-          <p:cNvSpPr txBox="true"/>
+          <p:cNvPr id="2" name="TextBox 2"/>
+          <p:cNvSpPr txBox="1"/>
           <p:nvPr/>
         </p:nvSpPr>
         <p:spPr>
-          <a:xfrm rot="0">
+          <a:xfrm>
             <a:off x="1028700" y="6901053"/>
             <a:ext cx="7137497" cy="349758"/>
           </a:xfrm>
@@ -3099,7 +3097,7 @@
           </a:prstGeom>
         </p:spPr>
         <p:txBody>
-          <a:bodyPr anchor="t" rtlCol="false" tIns="0" lIns="0" bIns="0" rIns="0">
+          <a:bodyPr lIns="0" tIns="0" rIns="0" bIns="0" rtlCol="0" anchor="t">
             <a:spAutoFit/>
           </a:bodyPr>
           <a:lstStyle/>
@@ -3126,12 +3124,12 @@
       </p:sp>
       <p:sp>
         <p:nvSpPr>
-          <p:cNvPr name="TextBox 3" id="3"/>
-          <p:cNvSpPr txBox="true"/>
+          <p:cNvPr id="3" name="TextBox 3"/>
+          <p:cNvSpPr txBox="1"/>
           <p:nvPr/>
         </p:nvSpPr>
         <p:spPr>
-          <a:xfrm rot="0">
+          <a:xfrm>
             <a:off x="1028700" y="3198114"/>
             <a:ext cx="15436863" cy="3799712"/>
           </a:xfrm>
@@ -3140,7 +3138,7 @@
           </a:prstGeom>
         </p:spPr>
         <p:txBody>
-          <a:bodyPr anchor="t" rtlCol="false" tIns="0" lIns="0" bIns="0" rIns="0">
+          <a:bodyPr lIns="0" tIns="0" rIns="0" bIns="0" rtlCol="0" anchor="t">
             <a:spAutoFit/>
           </a:bodyPr>
           <a:lstStyle/>
@@ -3186,12 +3184,12 @@
       </p:sp>
       <p:grpSp>
         <p:nvGrpSpPr>
-          <p:cNvPr name="Group 4" id="4"/>
+          <p:cNvPr id="4" name="Group 4"/>
           <p:cNvGrpSpPr/>
           <p:nvPr/>
         </p:nvGrpSpPr>
         <p:grpSpPr>
-          <a:xfrm rot="0">
+          <a:xfrm>
             <a:off x="12167791" y="-1595391"/>
             <a:ext cx="5248182" cy="5248182"/>
             <a:chOff x="0" y="0"/>
@@ -3200,14 +3198,14 @@
         </p:grpSpPr>
         <p:sp>
           <p:nvSpPr>
-            <p:cNvPr name="Freeform 5" id="5">
+            <p:cNvPr id="5" name="Freeform 5">
               <a:hlinkClick r:id="rId2" tooltip="https://www.lloydsbank.com/assets/lloyds-new-logo-brand-update.jpg"/>
             </p:cNvPr>
             <p:cNvSpPr/>
             <p:nvPr/>
           </p:nvSpPr>
           <p:spPr>
-            <a:xfrm flipH="false" flipV="false" rot="0">
+            <a:xfrm>
               <a:off x="0" y="0"/>
               <a:ext cx="812800" cy="812800"/>
             </a:xfrm>
@@ -3216,9 +3214,9 @@
               <a:gdLst/>
               <a:ahLst/>
               <a:cxnLst/>
-              <a:rect r="r" b="b" t="t" l="l"/>
+              <a:rect l="l" t="t" r="r" b="b"/>
               <a:pathLst>
-                <a:path h="812800" w="812800">
+                <a:path w="812800" h="812800">
                   <a:moveTo>
                     <a:pt x="406400" y="0"/>
                   </a:moveTo>
@@ -3250,11 +3248,18 @@
               <a:srgbClr val="FEFEFE"/>
             </a:solidFill>
           </p:spPr>
+          <p:txBody>
+            <a:bodyPr/>
+            <a:lstStyle/>
+            <a:p>
+              <a:endParaRPr lang="fr-FR"/>
+            </a:p>
+          </p:txBody>
         </p:sp>
         <p:sp>
           <p:nvSpPr>
-            <p:cNvPr name="TextBox 6" id="6"/>
-            <p:cNvSpPr txBox="true"/>
+            <p:cNvPr id="6" name="TextBox 6"/>
+            <p:cNvSpPr txBox="1"/>
             <p:nvPr/>
           </p:nvSpPr>
           <p:spPr>
@@ -3267,7 +3272,7 @@
             </a:prstGeom>
           </p:spPr>
           <p:txBody>
-            <a:bodyPr anchor="ctr" rtlCol="false" tIns="50800" lIns="50800" bIns="50800" rIns="50800"/>
+            <a:bodyPr lIns="50800" tIns="50800" rIns="50800" bIns="50800" rtlCol="0" anchor="ctr"/>
             <a:lstStyle/>
             <a:p>
               <a:pPr algn="ctr">
@@ -3275,18 +3280,19 @@
                   <a:spcPts val="2771"/>
                 </a:lnSpc>
               </a:pPr>
+              <a:endParaRPr/>
             </a:p>
           </p:txBody>
         </p:sp>
       </p:grpSp>
       <p:grpSp>
         <p:nvGrpSpPr>
-          <p:cNvPr name="Group 7" id="7"/>
+          <p:cNvPr id="7" name="Group 7"/>
           <p:cNvGrpSpPr/>
           <p:nvPr/>
         </p:nvGrpSpPr>
         <p:grpSpPr>
-          <a:xfrm rot="0">
+          <a:xfrm>
             <a:off x="12320191" y="-1442991"/>
             <a:ext cx="5248182" cy="5248182"/>
             <a:chOff x="0" y="0"/>
@@ -3295,14 +3301,14 @@
         </p:grpSpPr>
         <p:sp>
           <p:nvSpPr>
-            <p:cNvPr name="Freeform 8" id="8">
-              <a:hlinkClick r:id="rId3" tooltip="https://www.lloydsbank.com/assets/lloyds-new-logo-brand-update.jpg"/>
+            <p:cNvPr id="8" name="Freeform 8">
+              <a:hlinkClick r:id="rId2" tooltip="https://www.lloydsbank.com/assets/lloyds-new-logo-brand-update.jpg"/>
             </p:cNvPr>
             <p:cNvSpPr/>
             <p:nvPr/>
           </p:nvSpPr>
           <p:spPr>
-            <a:xfrm flipH="false" flipV="false" rot="0">
+            <a:xfrm>
               <a:off x="0" y="0"/>
               <a:ext cx="812800" cy="812800"/>
             </a:xfrm>
@@ -3311,9 +3317,9 @@
               <a:gdLst/>
               <a:ahLst/>
               <a:cxnLst/>
-              <a:rect r="r" b="b" t="t" l="l"/>
+              <a:rect l="l" t="t" r="r" b="b"/>
               <a:pathLst>
-                <a:path h="812800" w="812800">
+                <a:path w="812800" h="812800">
                   <a:moveTo>
                     <a:pt x="406400" y="0"/>
                   </a:moveTo>
@@ -3345,11 +3351,18 @@
               <a:srgbClr val="FEFEFE"/>
             </a:solidFill>
           </p:spPr>
+          <p:txBody>
+            <a:bodyPr/>
+            <a:lstStyle/>
+            <a:p>
+              <a:endParaRPr lang="fr-FR"/>
+            </a:p>
+          </p:txBody>
         </p:sp>
         <p:sp>
           <p:nvSpPr>
-            <p:cNvPr name="TextBox 9" id="9"/>
-            <p:cNvSpPr txBox="true"/>
+            <p:cNvPr id="9" name="TextBox 9"/>
+            <p:cNvSpPr txBox="1"/>
             <p:nvPr/>
           </p:nvSpPr>
           <p:spPr>
@@ -3362,7 +3375,7 @@
             </a:prstGeom>
           </p:spPr>
           <p:txBody>
-            <a:bodyPr anchor="ctr" rtlCol="false" tIns="50800" lIns="50800" bIns="50800" rIns="50800"/>
+            <a:bodyPr lIns="50800" tIns="50800" rIns="50800" bIns="50800" rtlCol="0" anchor="ctr"/>
             <a:lstStyle/>
             <a:p>
               <a:pPr algn="ctr">
@@ -3370,18 +3383,19 @@
                   <a:spcPts val="2771"/>
                 </a:lnSpc>
               </a:pPr>
+              <a:endParaRPr/>
             </a:p>
           </p:txBody>
         </p:sp>
       </p:grpSp>
       <p:sp>
         <p:nvSpPr>
-          <p:cNvPr name="Freeform 10" id="10"/>
+          <p:cNvPr id="10" name="Freeform 10"/>
           <p:cNvSpPr/>
           <p:nvPr/>
         </p:nvSpPr>
         <p:spPr>
-          <a:xfrm flipH="false" flipV="false" rot="0">
+          <a:xfrm>
             <a:off x="13072285" y="340939"/>
             <a:ext cx="3743992" cy="2396155"/>
           </a:xfrm>
@@ -3390,9 +3404,9 @@
             <a:gdLst/>
             <a:ahLst/>
             <a:cxnLst/>
-            <a:rect r="r" b="b" t="t" l="l"/>
+            <a:rect l="l" t="t" r="r" b="b"/>
             <a:pathLst>
-              <a:path h="2396155" w="3743992">
+              <a:path w="3743992" h="2396155">
                 <a:moveTo>
                   <a:pt x="0" y="0"/>
                 </a:moveTo>
@@ -3413,12 +3427,19 @@
             </a:pathLst>
           </a:custGeom>
           <a:blipFill>
-            <a:blip r:embed="rId4"/>
+            <a:blip r:embed="rId3"/>
             <a:stretch>
-              <a:fillRect l="0" t="0" r="0" b="0"/>
+              <a:fillRect/>
             </a:stretch>
           </a:blipFill>
         </p:spPr>
+        <p:txBody>
+          <a:bodyPr/>
+          <a:lstStyle/>
+          <a:p>
+            <a:endParaRPr lang="fr-FR"/>
+          </a:p>
+        </p:txBody>
       </p:sp>
     </p:spTree>
   </p:cSld>
@@ -3429,7 +3450,7 @@
 </file>
 
 <file path=ppt/slides/slide2.xml><?xml version="1.0" encoding="utf-8"?>
-<p:sld xmlns:p="http://schemas.openxmlformats.org/presentationml/2006/main" xmlns:a="http://schemas.openxmlformats.org/drawingml/2006/main">
+<p:sld xmlns:a="http://schemas.openxmlformats.org/drawingml/2006/main" xmlns:r="http://schemas.openxmlformats.org/officeDocument/2006/relationships" xmlns:p="http://schemas.openxmlformats.org/presentationml/2006/main">
   <p:cSld>
     <p:spTree>
       <p:nvGrpSpPr>
@@ -3447,12 +3468,12 @@
       </p:grpSpPr>
       <p:grpSp>
         <p:nvGrpSpPr>
-          <p:cNvPr name="Group 2" id="2"/>
+          <p:cNvPr id="2" name="Group 2"/>
           <p:cNvGrpSpPr/>
           <p:nvPr/>
         </p:nvGrpSpPr>
         <p:grpSpPr>
-          <a:xfrm rot="0">
+          <a:xfrm>
             <a:off x="1441555" y="2619548"/>
             <a:ext cx="4948151" cy="6311438"/>
             <a:chOff x="0" y="0"/>
@@ -3461,12 +3482,12 @@
         </p:grpSpPr>
         <p:sp>
           <p:nvSpPr>
-            <p:cNvPr name="Freeform 3" id="3"/>
+            <p:cNvPr id="3" name="Freeform 3"/>
             <p:cNvSpPr/>
             <p:nvPr/>
           </p:nvSpPr>
           <p:spPr>
-            <a:xfrm flipH="false" flipV="false" rot="0">
+            <a:xfrm>
               <a:off x="0" y="0"/>
               <a:ext cx="1303217" cy="1662272"/>
             </a:xfrm>
@@ -3475,9 +3496,9 @@
               <a:gdLst/>
               <a:ahLst/>
               <a:cxnLst/>
-              <a:rect r="r" b="b" t="t" l="l"/>
+              <a:rect l="l" t="t" r="r" b="b"/>
               <a:pathLst>
-                <a:path h="1662272" w="1303217">
+                <a:path w="1303217" h="1662272">
                   <a:moveTo>
                     <a:pt x="79795" y="0"/>
                   </a:moveTo>
@@ -3526,11 +3547,18 @@
               <a:srgbClr val="C7FFC6"/>
             </a:solidFill>
           </p:spPr>
+          <p:txBody>
+            <a:bodyPr/>
+            <a:lstStyle/>
+            <a:p>
+              <a:endParaRPr lang="fr-FR"/>
+            </a:p>
+          </p:txBody>
         </p:sp>
         <p:sp>
           <p:nvSpPr>
-            <p:cNvPr name="TextBox 4" id="4"/>
-            <p:cNvSpPr txBox="true"/>
+            <p:cNvPr id="4" name="TextBox 4"/>
+            <p:cNvSpPr txBox="1"/>
             <p:nvPr/>
           </p:nvSpPr>
           <p:spPr>
@@ -3543,7 +3571,7 @@
             </a:prstGeom>
           </p:spPr>
           <p:txBody>
-            <a:bodyPr anchor="ctr" rtlCol="false" tIns="50800" lIns="50800" bIns="50800" rIns="50800"/>
+            <a:bodyPr lIns="50800" tIns="50800" rIns="50800" bIns="50800" rtlCol="0" anchor="ctr"/>
             <a:lstStyle/>
             <a:p>
               <a:pPr algn="ctr">
@@ -3570,6 +3598,15 @@
                   <a:spcPts val="3331"/>
                 </a:lnSpc>
               </a:pPr>
+              <a:endParaRPr lang="en-US" sz="2379">
+                <a:solidFill>
+                  <a:srgbClr val="000000"/>
+                </a:solidFill>
+                <a:latin typeface="League Spartan"/>
+                <a:ea typeface="League Spartan"/>
+                <a:cs typeface="League Spartan"/>
+                <a:sym typeface="League Spartan"/>
+              </a:endParaRPr>
             </a:p>
             <a:p>
               <a:pPr algn="ctr">
@@ -3595,12 +3632,12 @@
       </p:grpSp>
       <p:grpSp>
         <p:nvGrpSpPr>
-          <p:cNvPr name="Group 5" id="5"/>
+          <p:cNvPr id="5" name="Group 5"/>
           <p:cNvGrpSpPr/>
           <p:nvPr/>
         </p:nvGrpSpPr>
         <p:grpSpPr>
-          <a:xfrm rot="0">
+          <a:xfrm>
             <a:off x="6860994" y="2619548"/>
             <a:ext cx="4981402" cy="6111933"/>
             <a:chOff x="0" y="0"/>
@@ -3609,12 +3646,12 @@
         </p:grpSpPr>
         <p:sp>
           <p:nvSpPr>
-            <p:cNvPr name="Freeform 6" id="6"/>
+            <p:cNvPr id="6" name="Freeform 6"/>
             <p:cNvSpPr/>
             <p:nvPr/>
           </p:nvSpPr>
           <p:spPr>
-            <a:xfrm flipH="false" flipV="false" rot="0">
+            <a:xfrm>
               <a:off x="0" y="0"/>
               <a:ext cx="1311974" cy="1609727"/>
             </a:xfrm>
@@ -3623,9 +3660,9 @@
               <a:gdLst/>
               <a:ahLst/>
               <a:cxnLst/>
-              <a:rect r="r" b="b" t="t" l="l"/>
+              <a:rect l="l" t="t" r="r" b="b"/>
               <a:pathLst>
-                <a:path h="1609727" w="1311974">
+                <a:path w="1311974" h="1609727">
                   <a:moveTo>
                     <a:pt x="79262" y="0"/>
                   </a:moveTo>
@@ -3689,11 +3726,18 @@
               <a:srgbClr val="C9C9C9"/>
             </a:solidFill>
           </p:spPr>
+          <p:txBody>
+            <a:bodyPr/>
+            <a:lstStyle/>
+            <a:p>
+              <a:endParaRPr lang="fr-FR"/>
+            </a:p>
+          </p:txBody>
         </p:sp>
         <p:sp>
           <p:nvSpPr>
-            <p:cNvPr name="TextBox 7" id="7"/>
-            <p:cNvSpPr txBox="true"/>
+            <p:cNvPr id="7" name="TextBox 7"/>
+            <p:cNvSpPr txBox="1"/>
             <p:nvPr/>
           </p:nvSpPr>
           <p:spPr>
@@ -3706,7 +3750,7 @@
             </a:prstGeom>
           </p:spPr>
           <p:txBody>
-            <a:bodyPr anchor="ctr" rtlCol="false" tIns="50800" lIns="50800" bIns="50800" rIns="50800"/>
+            <a:bodyPr lIns="50800" tIns="50800" rIns="50800" bIns="50800" rtlCol="0" anchor="ctr"/>
             <a:lstStyle/>
             <a:p>
               <a:pPr algn="ctr">
@@ -3733,6 +3777,15 @@
                   <a:spcPts val="3331"/>
                 </a:lnSpc>
               </a:pPr>
+              <a:endParaRPr lang="en-US" sz="2379">
+                <a:solidFill>
+                  <a:srgbClr val="000000"/>
+                </a:solidFill>
+                <a:latin typeface="League Spartan"/>
+                <a:ea typeface="League Spartan"/>
+                <a:cs typeface="League Spartan"/>
+                <a:sym typeface="League Spartan"/>
+              </a:endParaRPr>
             </a:p>
             <a:p>
               <a:pPr algn="ctr">
@@ -3758,12 +3811,12 @@
       </p:grpSp>
       <p:sp>
         <p:nvSpPr>
-          <p:cNvPr name="TextBox 8" id="8"/>
-          <p:cNvSpPr txBox="true"/>
+          <p:cNvPr id="8" name="TextBox 8"/>
+          <p:cNvSpPr txBox="1"/>
           <p:nvPr/>
         </p:nvSpPr>
         <p:spPr>
-          <a:xfrm rot="0">
+          <a:xfrm>
             <a:off x="1028700" y="904875"/>
             <a:ext cx="14031884" cy="1038225"/>
           </a:xfrm>
@@ -3772,7 +3825,7 @@
           </a:prstGeom>
         </p:spPr>
         <p:txBody>
-          <a:bodyPr anchor="t" rtlCol="false" tIns="0" lIns="0" bIns="0" rIns="0">
+          <a:bodyPr lIns="0" tIns="0" rIns="0" bIns="0" rtlCol="0" anchor="t">
             <a:spAutoFit/>
           </a:bodyPr>
           <a:lstStyle/>
@@ -3802,12 +3855,12 @@
       </p:sp>
       <p:grpSp>
         <p:nvGrpSpPr>
-          <p:cNvPr name="Group 9" id="9"/>
+          <p:cNvPr id="9" name="Group 9"/>
           <p:cNvGrpSpPr/>
           <p:nvPr/>
         </p:nvGrpSpPr>
         <p:grpSpPr>
-          <a:xfrm rot="0">
+          <a:xfrm>
             <a:off x="12569883" y="2619548"/>
             <a:ext cx="4981402" cy="6111933"/>
             <a:chOff x="0" y="0"/>
@@ -3816,12 +3869,12 @@
         </p:grpSpPr>
         <p:sp>
           <p:nvSpPr>
-            <p:cNvPr name="Freeform 10" id="10"/>
+            <p:cNvPr id="10" name="Freeform 10"/>
             <p:cNvSpPr/>
             <p:nvPr/>
           </p:nvSpPr>
           <p:spPr>
-            <a:xfrm flipH="false" flipV="false" rot="0">
+            <a:xfrm>
               <a:off x="0" y="0"/>
               <a:ext cx="1311974" cy="1609727"/>
             </a:xfrm>
@@ -3830,9 +3883,9 @@
               <a:gdLst/>
               <a:ahLst/>
               <a:cxnLst/>
-              <a:rect r="r" b="b" t="t" l="l"/>
+              <a:rect l="l" t="t" r="r" b="b"/>
               <a:pathLst>
-                <a:path h="1609727" w="1311974">
+                <a:path w="1311974" h="1609727">
                   <a:moveTo>
                     <a:pt x="79262" y="0"/>
                   </a:moveTo>
@@ -3896,11 +3949,18 @@
               <a:srgbClr val="11B67A"/>
             </a:solidFill>
           </p:spPr>
+          <p:txBody>
+            <a:bodyPr/>
+            <a:lstStyle/>
+            <a:p>
+              <a:endParaRPr lang="fr-FR"/>
+            </a:p>
+          </p:txBody>
         </p:sp>
         <p:sp>
           <p:nvSpPr>
-            <p:cNvPr name="TextBox 11" id="11"/>
-            <p:cNvSpPr txBox="true"/>
+            <p:cNvPr id="11" name="TextBox 11"/>
+            <p:cNvSpPr txBox="1"/>
             <p:nvPr/>
           </p:nvSpPr>
           <p:spPr>
@@ -3913,7 +3973,7 @@
             </a:prstGeom>
           </p:spPr>
           <p:txBody>
-            <a:bodyPr anchor="ctr" rtlCol="false" tIns="50800" lIns="50800" bIns="50800" rIns="50800"/>
+            <a:bodyPr lIns="50800" tIns="50800" rIns="50800" bIns="50800" rtlCol="0" anchor="ctr"/>
             <a:lstStyle/>
             <a:p>
               <a:pPr algn="ctr">
@@ -3922,7 +3982,7 @@
                 </a:lnSpc>
               </a:pPr>
               <a:r>
-                <a:rPr lang="en-US" sz="2379" b="true">
+                <a:rPr lang="en-US" sz="2379" b="1">
                   <a:solidFill>
                     <a:srgbClr val="000000"/>
                   </a:solidFill>
@@ -3940,6 +4000,15 @@
                   <a:spcPts val="3331"/>
                 </a:lnSpc>
               </a:pPr>
+              <a:endParaRPr lang="en-US" sz="2379" b="1">
+                <a:solidFill>
+                  <a:srgbClr val="000000"/>
+                </a:solidFill>
+                <a:latin typeface="Poppins Bold"/>
+                <a:ea typeface="Poppins Bold"/>
+                <a:cs typeface="Poppins Bold"/>
+                <a:sym typeface="Poppins Bold"/>
+              </a:endParaRPr>
             </a:p>
             <a:p>
               <a:pPr algn="ctr">
@@ -3948,7 +4017,7 @@
                 </a:lnSpc>
               </a:pPr>
               <a:r>
-                <a:rPr lang="en-US" sz="2379" b="true">
+                <a:rPr lang="en-US" sz="2379" b="1">
                   <a:solidFill>
                     <a:srgbClr val="000000"/>
                   </a:solidFill>
@@ -3966,6 +4035,15 @@
                   <a:spcPts val="2771"/>
                 </a:lnSpc>
               </a:pPr>
+              <a:endParaRPr lang="en-US" sz="2379" b="1">
+                <a:solidFill>
+                  <a:srgbClr val="000000"/>
+                </a:solidFill>
+                <a:latin typeface="Poppins Bold"/>
+                <a:ea typeface="Poppins Bold"/>
+                <a:cs typeface="Poppins Bold"/>
+                <a:sym typeface="Poppins Bold"/>
+              </a:endParaRPr>
             </a:p>
             <a:p>
               <a:pPr algn="ctr">
@@ -3973,6 +4051,15 @@
                   <a:spcPts val="2771"/>
                 </a:lnSpc>
               </a:pPr>
+              <a:endParaRPr lang="en-US" sz="2379" b="1">
+                <a:solidFill>
+                  <a:srgbClr val="000000"/>
+                </a:solidFill>
+                <a:latin typeface="Poppins Bold"/>
+                <a:ea typeface="Poppins Bold"/>
+                <a:cs typeface="Poppins Bold"/>
+                <a:sym typeface="Poppins Bold"/>
+              </a:endParaRPr>
             </a:p>
           </p:txBody>
         </p:sp>
@@ -3983,131 +4070,13 @@
     <a:masterClrMapping/>
   </p:clrMapOvr>
   <p:transition spd="slow">
-    <p:push dir="l"/>
+    <p:push/>
   </p:transition>
 </p:sld>
 </file>
 
 <file path=ppt/slides/slide3.xml><?xml version="1.0" encoding="utf-8"?>
-<p:sld xmlns:p="http://schemas.openxmlformats.org/presentationml/2006/main" xmlns:a="http://schemas.openxmlformats.org/drawingml/2006/main" xmlns:r="http://schemas.openxmlformats.org/officeDocument/2006/relationships">
-  <p:cSld>
-    <p:spTree>
-      <p:nvGrpSpPr>
-        <p:cNvPr id="1" name=""/>
-        <p:cNvGrpSpPr/>
-        <p:nvPr/>
-      </p:nvGrpSpPr>
-      <p:grpSpPr>
-        <a:xfrm>
-          <a:off x="0" y="0"/>
-          <a:ext cx="0" cy="0"/>
-          <a:chOff x="0" y="0"/>
-          <a:chExt cx="0" cy="0"/>
-        </a:xfrm>
-      </p:grpSpPr>
-      <p:sp>
-        <p:nvSpPr>
-          <p:cNvPr name="Freeform 2" id="2"/>
-          <p:cNvSpPr/>
-          <p:nvPr/>
-        </p:nvSpPr>
-        <p:spPr>
-          <a:xfrm flipH="false" flipV="false" rot="0">
-            <a:off x="3193827" y="2820878"/>
-            <a:ext cx="11900346" cy="6437422"/>
-          </a:xfrm>
-          <a:custGeom>
-            <a:avLst/>
-            <a:gdLst/>
-            <a:ahLst/>
-            <a:cxnLst/>
-            <a:rect r="r" b="b" t="t" l="l"/>
-            <a:pathLst>
-              <a:path h="6437422" w="11900346">
-                <a:moveTo>
-                  <a:pt x="0" y="0"/>
-                </a:moveTo>
-                <a:lnTo>
-                  <a:pt x="11900346" y="0"/>
-                </a:lnTo>
-                <a:lnTo>
-                  <a:pt x="11900346" y="6437422"/>
-                </a:lnTo>
-                <a:lnTo>
-                  <a:pt x="0" y="6437422"/>
-                </a:lnTo>
-                <a:lnTo>
-                  <a:pt x="0" y="0"/>
-                </a:lnTo>
-                <a:close/>
-              </a:path>
-            </a:pathLst>
-          </a:custGeom>
-          <a:blipFill>
-            <a:blip r:embed="rId2"/>
-            <a:stretch>
-              <a:fillRect l="0" t="0" r="0" b="0"/>
-            </a:stretch>
-          </a:blipFill>
-        </p:spPr>
-      </p:sp>
-      <p:sp>
-        <p:nvSpPr>
-          <p:cNvPr name="TextBox 3" id="3"/>
-          <p:cNvSpPr txBox="true"/>
-          <p:nvPr/>
-        </p:nvSpPr>
-        <p:spPr>
-          <a:xfrm rot="0">
-            <a:off x="1235127" y="905048"/>
-            <a:ext cx="14031884" cy="1038225"/>
-          </a:xfrm>
-          <a:prstGeom prst="rect">
-            <a:avLst/>
-          </a:prstGeom>
-        </p:spPr>
-        <p:txBody>
-          <a:bodyPr anchor="t" rtlCol="false" tIns="0" lIns="0" bIns="0" rIns="0">
-            <a:spAutoFit/>
-          </a:bodyPr>
-          <a:lstStyle/>
-          <a:p>
-            <a:pPr algn="l">
-              <a:lnSpc>
-                <a:spcPts val="8400"/>
-              </a:lnSpc>
-              <a:spcBef>
-                <a:spcPct val="0"/>
-              </a:spcBef>
-            </a:pPr>
-            <a:r>
-              <a:rPr lang="en-US" sz="6000">
-                <a:solidFill>
-                  <a:srgbClr val="0F0F0F"/>
-                </a:solidFill>
-                <a:latin typeface="League Spartan"/>
-                <a:ea typeface="League Spartan"/>
-                <a:cs typeface="League Spartan"/>
-                <a:sym typeface="League Spartan"/>
-              </a:rPr>
-              <a:t>System Design</a:t>
-            </a:r>
-          </a:p>
-        </p:txBody>
-      </p:sp>
-    </p:spTree>
-  </p:cSld>
-  <p:clrMapOvr>
-    <a:masterClrMapping/>
-  </p:clrMapOvr>
-  <p:transition spd="slow">
-    <p:push dir="l"/>
-  </p:transition>
-</p:sld>
-</file>
-
-<file path=ppt/slides/slide4.xml><?xml version="1.0" encoding="utf-8"?>
-<p:sld xmlns:p="http://schemas.openxmlformats.org/presentationml/2006/main" xmlns:a="http://schemas.openxmlformats.org/drawingml/2006/main">
+<p:sld xmlns:a="http://schemas.openxmlformats.org/drawingml/2006/main" xmlns:r="http://schemas.openxmlformats.org/officeDocument/2006/relationships" xmlns:p="http://schemas.openxmlformats.org/presentationml/2006/main">
   <p:cSld>
     <p:spTree>
       <p:nvGrpSpPr>
@@ -4125,12 +4094,12 @@
       </p:grpSpPr>
       <p:grpSp>
         <p:nvGrpSpPr>
-          <p:cNvPr name="Group 2" id="2"/>
+          <p:cNvPr id="2" name="Group 2"/>
           <p:cNvGrpSpPr/>
           <p:nvPr/>
         </p:nvGrpSpPr>
         <p:grpSpPr>
-          <a:xfrm rot="0">
+          <a:xfrm>
             <a:off x="15792390" y="9498131"/>
             <a:ext cx="1466910" cy="388112"/>
             <a:chOff x="0" y="0"/>
@@ -4139,12 +4108,12 @@
         </p:grpSpPr>
         <p:sp>
           <p:nvSpPr>
-            <p:cNvPr name="Freeform 3" id="3"/>
+            <p:cNvPr id="3" name="Freeform 3"/>
             <p:cNvSpPr/>
             <p:nvPr/>
           </p:nvSpPr>
           <p:spPr>
-            <a:xfrm flipH="false" flipV="false" rot="0">
+            <a:xfrm>
               <a:off x="0" y="0"/>
               <a:ext cx="386347" cy="102219"/>
             </a:xfrm>
@@ -4153,9 +4122,9 @@
               <a:gdLst/>
               <a:ahLst/>
               <a:cxnLst/>
-              <a:rect r="r" b="b" t="t" l="l"/>
+              <a:rect l="l" t="t" r="r" b="b"/>
               <a:pathLst>
-                <a:path h="102219" w="386347">
+                <a:path w="386347" h="102219">
                   <a:moveTo>
                     <a:pt x="51109" y="0"/>
                   </a:moveTo>
@@ -4214,11 +4183,18 @@
               <a:srgbClr val="0F0F0F"/>
             </a:solidFill>
           </p:spPr>
+          <p:txBody>
+            <a:bodyPr/>
+            <a:lstStyle/>
+            <a:p>
+              <a:endParaRPr lang="fr-FR"/>
+            </a:p>
+          </p:txBody>
         </p:sp>
         <p:sp>
           <p:nvSpPr>
-            <p:cNvPr name="TextBox 4" id="4"/>
-            <p:cNvSpPr txBox="true"/>
+            <p:cNvPr id="4" name="TextBox 4"/>
+            <p:cNvSpPr txBox="1"/>
             <p:nvPr/>
           </p:nvSpPr>
           <p:spPr>
@@ -4231,7 +4207,7 @@
             </a:prstGeom>
           </p:spPr>
           <p:txBody>
-            <a:bodyPr anchor="ctr" rtlCol="false" tIns="50800" lIns="50800" bIns="50800" rIns="50800"/>
+            <a:bodyPr lIns="50800" tIns="50800" rIns="50800" bIns="50800" rtlCol="0" anchor="ctr"/>
             <a:lstStyle/>
             <a:p>
               <a:pPr algn="ctr">
@@ -4257,12 +4233,12 @@
       </p:grpSp>
       <p:grpSp>
         <p:nvGrpSpPr>
-          <p:cNvPr name="Group 5" id="5"/>
+          <p:cNvPr id="5" name="Group 5"/>
           <p:cNvGrpSpPr/>
           <p:nvPr/>
         </p:nvGrpSpPr>
         <p:grpSpPr>
-          <a:xfrm rot="0">
+          <a:xfrm>
             <a:off x="1441555" y="3680460"/>
             <a:ext cx="4945867" cy="3456536"/>
             <a:chOff x="0" y="0"/>
@@ -4271,12 +4247,12 @@
         </p:grpSpPr>
         <p:sp>
           <p:nvSpPr>
-            <p:cNvPr name="Freeform 6" id="6"/>
+            <p:cNvPr id="6" name="Freeform 6"/>
             <p:cNvSpPr/>
             <p:nvPr/>
           </p:nvSpPr>
           <p:spPr>
-            <a:xfrm flipH="false" flipV="false" rot="0">
+            <a:xfrm>
               <a:off x="0" y="0"/>
               <a:ext cx="1302615" cy="910363"/>
             </a:xfrm>
@@ -4285,9 +4261,9 @@
               <a:gdLst/>
               <a:ahLst/>
               <a:cxnLst/>
-              <a:rect r="r" b="b" t="t" l="l"/>
+              <a:rect l="l" t="t" r="r" b="b"/>
               <a:pathLst>
-                <a:path h="910363" w="1302615">
+                <a:path w="1302615" h="910363">
                   <a:moveTo>
                     <a:pt x="79832" y="0"/>
                   </a:moveTo>
@@ -4346,11 +4322,18 @@
               <a:srgbClr val="C7FFC6"/>
             </a:solidFill>
           </p:spPr>
+          <p:txBody>
+            <a:bodyPr/>
+            <a:lstStyle/>
+            <a:p>
+              <a:endParaRPr lang="fr-FR"/>
+            </a:p>
+          </p:txBody>
         </p:sp>
         <p:sp>
           <p:nvSpPr>
-            <p:cNvPr name="TextBox 7" id="7"/>
-            <p:cNvSpPr txBox="true"/>
+            <p:cNvPr id="7" name="TextBox 7"/>
+            <p:cNvSpPr txBox="1"/>
             <p:nvPr/>
           </p:nvSpPr>
           <p:spPr>
@@ -4363,7 +4346,7 @@
             </a:prstGeom>
           </p:spPr>
           <p:txBody>
-            <a:bodyPr anchor="ctr" rtlCol="false" tIns="50800" lIns="50800" bIns="50800" rIns="50800"/>
+            <a:bodyPr lIns="50800" tIns="50800" rIns="50800" bIns="50800" rtlCol="0" anchor="ctr"/>
             <a:lstStyle/>
             <a:p>
               <a:pPr algn="ctr">
@@ -4389,12 +4372,12 @@
       </p:grpSp>
       <p:grpSp>
         <p:nvGrpSpPr>
-          <p:cNvPr name="Group 8" id="8"/>
+          <p:cNvPr id="8" name="Group 8"/>
           <p:cNvGrpSpPr/>
           <p:nvPr/>
         </p:nvGrpSpPr>
         <p:grpSpPr>
-          <a:xfrm rot="0">
+          <a:xfrm>
             <a:off x="7092272" y="3680460"/>
             <a:ext cx="4775044" cy="3587981"/>
             <a:chOff x="0" y="0"/>
@@ -4403,12 +4386,12 @@
         </p:grpSpPr>
         <p:sp>
           <p:nvSpPr>
-            <p:cNvPr name="Freeform 9" id="9"/>
+            <p:cNvPr id="9" name="Freeform 9"/>
             <p:cNvSpPr/>
             <p:nvPr/>
           </p:nvSpPr>
           <p:spPr>
-            <a:xfrm flipH="false" flipV="false" rot="0">
+            <a:xfrm>
               <a:off x="0" y="0"/>
               <a:ext cx="1257625" cy="944983"/>
             </a:xfrm>
@@ -4417,9 +4400,9 @@
               <a:gdLst/>
               <a:ahLst/>
               <a:cxnLst/>
-              <a:rect r="r" b="b" t="t" l="l"/>
+              <a:rect l="l" t="t" r="r" b="b"/>
               <a:pathLst>
-                <a:path h="944983" w="1257625">
+                <a:path w="1257625" h="944983">
                   <a:moveTo>
                     <a:pt x="82688" y="0"/>
                   </a:moveTo>
@@ -4478,11 +4461,18 @@
               <a:srgbClr val="C9C9C9"/>
             </a:solidFill>
           </p:spPr>
+          <p:txBody>
+            <a:bodyPr/>
+            <a:lstStyle/>
+            <a:p>
+              <a:endParaRPr lang="fr-FR"/>
+            </a:p>
+          </p:txBody>
         </p:sp>
         <p:sp>
           <p:nvSpPr>
-            <p:cNvPr name="TextBox 10" id="10"/>
-            <p:cNvSpPr txBox="true"/>
+            <p:cNvPr id="10" name="TextBox 10"/>
+            <p:cNvSpPr txBox="1"/>
             <p:nvPr/>
           </p:nvSpPr>
           <p:spPr>
@@ -4495,7 +4485,7 @@
             </a:prstGeom>
           </p:spPr>
           <p:txBody>
-            <a:bodyPr anchor="ctr" rtlCol="false" tIns="50800" lIns="50800" bIns="50800" rIns="50800"/>
+            <a:bodyPr lIns="50800" tIns="50800" rIns="50800" bIns="50800" rtlCol="0" anchor="ctr"/>
             <a:lstStyle/>
             <a:p>
               <a:pPr algn="ctr">
@@ -4521,12 +4511,12 @@
       </p:grpSp>
       <p:sp>
         <p:nvSpPr>
-          <p:cNvPr name="TextBox 11" id="11"/>
-          <p:cNvSpPr txBox="true"/>
+          <p:cNvPr id="11" name="TextBox 11"/>
+          <p:cNvSpPr txBox="1"/>
           <p:nvPr/>
         </p:nvSpPr>
         <p:spPr>
-          <a:xfrm rot="0">
+          <a:xfrm>
             <a:off x="1028700" y="9564806"/>
             <a:ext cx="412855" cy="216662"/>
           </a:xfrm>
@@ -4535,7 +4525,7 @@
           </a:prstGeom>
         </p:spPr>
         <p:txBody>
-          <a:bodyPr anchor="t" rtlCol="false" tIns="0" lIns="0" bIns="0" rIns="0">
+          <a:bodyPr lIns="0" tIns="0" rIns="0" bIns="0" rtlCol="0" anchor="t">
             <a:spAutoFit/>
           </a:bodyPr>
           <a:lstStyle/>
@@ -4562,12 +4552,12 @@
       </p:sp>
       <p:sp>
         <p:nvSpPr>
-          <p:cNvPr name="TextBox 12" id="12"/>
-          <p:cNvSpPr txBox="true"/>
+          <p:cNvPr id="12" name="TextBox 12"/>
+          <p:cNvSpPr txBox="1"/>
           <p:nvPr/>
         </p:nvSpPr>
         <p:spPr>
-          <a:xfrm rot="0">
+          <a:xfrm>
             <a:off x="8404044" y="9564806"/>
             <a:ext cx="1479912" cy="216662"/>
           </a:xfrm>
@@ -4576,7 +4566,7 @@
           </a:prstGeom>
         </p:spPr>
         <p:txBody>
-          <a:bodyPr anchor="t" rtlCol="false" tIns="0" lIns="0" bIns="0" rIns="0">
+          <a:bodyPr lIns="0" tIns="0" rIns="0" bIns="0" rtlCol="0" anchor="t">
             <a:spAutoFit/>
           </a:bodyPr>
           <a:lstStyle/>
@@ -4603,12 +4593,12 @@
       </p:sp>
       <p:sp>
         <p:nvSpPr>
-          <p:cNvPr name="TextBox 13" id="13"/>
-          <p:cNvSpPr txBox="true"/>
+          <p:cNvPr id="13" name="TextBox 13"/>
+          <p:cNvSpPr txBox="1"/>
           <p:nvPr/>
         </p:nvSpPr>
         <p:spPr>
-          <a:xfrm rot="0">
+          <a:xfrm>
             <a:off x="1235127" y="905048"/>
             <a:ext cx="14031884" cy="1038225"/>
           </a:xfrm>
@@ -4617,7 +4607,7 @@
           </a:prstGeom>
         </p:spPr>
         <p:txBody>
-          <a:bodyPr anchor="t" rtlCol="false" tIns="0" lIns="0" bIns="0" rIns="0">
+          <a:bodyPr lIns="0" tIns="0" rIns="0" bIns="0" rtlCol="0" anchor="t">
             <a:spAutoFit/>
           </a:bodyPr>
           <a:lstStyle/>
@@ -4631,7 +4621,7 @@
               </a:spcBef>
             </a:pPr>
             <a:r>
-              <a:rPr lang="en-US" sz="6000">
+              <a:rPr lang="en-US" sz="6000" dirty="0">
                 <a:solidFill>
                   <a:srgbClr val="0F0F0F"/>
                 </a:solidFill>
@@ -4647,12 +4637,12 @@
       </p:sp>
       <p:grpSp>
         <p:nvGrpSpPr>
-          <p:cNvPr name="Group 14" id="14"/>
+          <p:cNvPr id="14" name="Group 14"/>
           <p:cNvGrpSpPr/>
           <p:nvPr/>
         </p:nvGrpSpPr>
         <p:grpSpPr>
-          <a:xfrm rot="0">
+          <a:xfrm>
             <a:off x="12569883" y="3680460"/>
             <a:ext cx="4689417" cy="3587981"/>
             <a:chOff x="0" y="0"/>
@@ -4661,12 +4651,12 @@
         </p:grpSpPr>
         <p:sp>
           <p:nvSpPr>
-            <p:cNvPr name="Freeform 15" id="15"/>
+            <p:cNvPr id="15" name="Freeform 15"/>
             <p:cNvSpPr/>
             <p:nvPr/>
           </p:nvSpPr>
           <p:spPr>
-            <a:xfrm flipH="false" flipV="false" rot="0">
+            <a:xfrm>
               <a:off x="0" y="0"/>
               <a:ext cx="1235073" cy="944983"/>
             </a:xfrm>
@@ -4675,9 +4665,9 @@
               <a:gdLst/>
               <a:ahLst/>
               <a:cxnLst/>
-              <a:rect r="r" b="b" t="t" l="l"/>
+              <a:rect l="l" t="t" r="r" b="b"/>
               <a:pathLst>
-                <a:path h="944983" w="1235073">
+                <a:path w="1235073" h="944983">
                   <a:moveTo>
                     <a:pt x="84198" y="0"/>
                   </a:moveTo>
@@ -4721,11 +4711,18 @@
               <a:srgbClr val="11B67A"/>
             </a:solidFill>
           </p:spPr>
+          <p:txBody>
+            <a:bodyPr/>
+            <a:lstStyle/>
+            <a:p>
+              <a:endParaRPr lang="fr-FR"/>
+            </a:p>
+          </p:txBody>
         </p:sp>
         <p:sp>
           <p:nvSpPr>
-            <p:cNvPr name="TextBox 16" id="16"/>
-            <p:cNvSpPr txBox="true"/>
+            <p:cNvPr id="16" name="TextBox 16"/>
+            <p:cNvSpPr txBox="1"/>
             <p:nvPr/>
           </p:nvSpPr>
           <p:spPr>
@@ -4738,7 +4735,7 @@
             </a:prstGeom>
           </p:spPr>
           <p:txBody>
-            <a:bodyPr anchor="ctr" rtlCol="false" tIns="50800" lIns="50800" bIns="50800" rIns="50800"/>
+            <a:bodyPr lIns="50800" tIns="50800" rIns="50800" bIns="50800" rtlCol="0" anchor="ctr"/>
             <a:lstStyle/>
             <a:p>
               <a:pPr algn="ctr">
@@ -4768,8 +4765,390 @@
     <a:masterClrMapping/>
   </p:clrMapOvr>
   <p:transition spd="slow">
-    <p:push dir="l"/>
+    <p:push/>
   </p:transition>
+</p:sld>
+</file>
+
+<file path=ppt/slides/slide4.xml><?xml version="1.0" encoding="utf-8"?>
+<p:sld xmlns:a="http://schemas.openxmlformats.org/drawingml/2006/main" xmlns:r="http://schemas.openxmlformats.org/officeDocument/2006/relationships" xmlns:p="http://schemas.openxmlformats.org/presentationml/2006/main">
+  <p:cSld>
+    <p:spTree>
+      <p:nvGrpSpPr>
+        <p:cNvPr id="1" name=""/>
+        <p:cNvGrpSpPr/>
+        <p:nvPr/>
+      </p:nvGrpSpPr>
+      <p:grpSpPr>
+        <a:xfrm>
+          <a:off x="0" y="0"/>
+          <a:ext cx="0" cy="0"/>
+          <a:chOff x="0" y="0"/>
+          <a:chExt cx="0" cy="0"/>
+        </a:xfrm>
+      </p:grpSpPr>
+      <p:sp>
+        <p:nvSpPr>
+          <p:cNvPr id="2" name="Freeform 2"/>
+          <p:cNvSpPr/>
+          <p:nvPr/>
+        </p:nvSpPr>
+        <p:spPr>
+          <a:xfrm>
+            <a:off x="3193827" y="2820878"/>
+            <a:ext cx="11900346" cy="6437422"/>
+          </a:xfrm>
+          <a:custGeom>
+            <a:avLst/>
+            <a:gdLst/>
+            <a:ahLst/>
+            <a:cxnLst/>
+            <a:rect l="l" t="t" r="r" b="b"/>
+            <a:pathLst>
+              <a:path w="11900346" h="6437422">
+                <a:moveTo>
+                  <a:pt x="0" y="0"/>
+                </a:moveTo>
+                <a:lnTo>
+                  <a:pt x="11900346" y="0"/>
+                </a:lnTo>
+                <a:lnTo>
+                  <a:pt x="11900346" y="6437422"/>
+                </a:lnTo>
+                <a:lnTo>
+                  <a:pt x="0" y="6437422"/>
+                </a:lnTo>
+                <a:lnTo>
+                  <a:pt x="0" y="0"/>
+                </a:lnTo>
+                <a:close/>
+              </a:path>
+            </a:pathLst>
+          </a:custGeom>
+          <a:blipFill>
+            <a:blip r:embed="rId2"/>
+            <a:stretch>
+              <a:fillRect/>
+            </a:stretch>
+          </a:blipFill>
+        </p:spPr>
+        <p:txBody>
+          <a:bodyPr/>
+          <a:lstStyle/>
+          <a:p>
+            <a:endParaRPr lang="fr-FR" dirty="0"/>
+          </a:p>
+        </p:txBody>
+      </p:sp>
+      <p:sp>
+        <p:nvSpPr>
+          <p:cNvPr id="3" name="TextBox 3"/>
+          <p:cNvSpPr txBox="1"/>
+          <p:nvPr/>
+        </p:nvSpPr>
+        <p:spPr>
+          <a:xfrm>
+            <a:off x="1235127" y="905048"/>
+            <a:ext cx="14031884" cy="1038225"/>
+          </a:xfrm>
+          <a:prstGeom prst="rect">
+            <a:avLst/>
+          </a:prstGeom>
+        </p:spPr>
+        <p:txBody>
+          <a:bodyPr lIns="0" tIns="0" rIns="0" bIns="0" rtlCol="0" anchor="t">
+            <a:spAutoFit/>
+          </a:bodyPr>
+          <a:lstStyle/>
+          <a:p>
+            <a:pPr algn="l">
+              <a:lnSpc>
+                <a:spcPts val="8400"/>
+              </a:lnSpc>
+              <a:spcBef>
+                <a:spcPct val="0"/>
+              </a:spcBef>
+            </a:pPr>
+            <a:r>
+              <a:rPr lang="en-US" sz="6000" dirty="0">
+                <a:solidFill>
+                  <a:srgbClr val="0F0F0F"/>
+                </a:solidFill>
+                <a:latin typeface="League Spartan"/>
+                <a:ea typeface="League Spartan"/>
+                <a:cs typeface="League Spartan"/>
+                <a:sym typeface="League Spartan"/>
+              </a:rPr>
+              <a:t>System Design</a:t>
+            </a:r>
+          </a:p>
+        </p:txBody>
+      </p:sp>
+    </p:spTree>
+  </p:cSld>
+  <p:clrMapOvr>
+    <a:masterClrMapping/>
+  </p:clrMapOvr>
+  <p:transition spd="slow">
+    <p:push/>
+  </p:transition>
+</p:sld>
+</file>
+
+<file path=ppt/slides/slide5.xml><?xml version="1.0" encoding="utf-8"?>
+<p:sld xmlns:a="http://schemas.openxmlformats.org/drawingml/2006/main" xmlns:r="http://schemas.openxmlformats.org/officeDocument/2006/relationships" xmlns:p="http://schemas.openxmlformats.org/presentationml/2006/main">
+  <p:cSld>
+    <p:spTree>
+      <p:nvGrpSpPr>
+        <p:cNvPr id="1" name=""/>
+        <p:cNvGrpSpPr/>
+        <p:nvPr/>
+      </p:nvGrpSpPr>
+      <p:grpSpPr>
+        <a:xfrm>
+          <a:off x="0" y="0"/>
+          <a:ext cx="0" cy="0"/>
+          <a:chOff x="0" y="0"/>
+          <a:chExt cx="0" cy="0"/>
+        </a:xfrm>
+      </p:grpSpPr>
+      <p:sp>
+        <p:nvSpPr>
+          <p:cNvPr id="2" name="TextBox 13">
+            <a:extLst>
+              <a:ext uri="{FF2B5EF4-FFF2-40B4-BE49-F238E27FC236}">
+                <a16:creationId xmlns:a16="http://schemas.microsoft.com/office/drawing/2014/main" id="{C49A348E-3414-9C2A-5D14-B6C86CA64FA4}"/>
+              </a:ext>
+            </a:extLst>
+          </p:cNvPr>
+          <p:cNvSpPr txBox="1"/>
+          <p:nvPr/>
+        </p:nvSpPr>
+        <p:spPr>
+          <a:xfrm>
+            <a:off x="1235127" y="905048"/>
+            <a:ext cx="14031884" cy="1038225"/>
+          </a:xfrm>
+          <a:prstGeom prst="rect">
+            <a:avLst/>
+          </a:prstGeom>
+        </p:spPr>
+        <p:txBody>
+          <a:bodyPr lIns="0" tIns="0" rIns="0" bIns="0" rtlCol="0" anchor="t">
+            <a:spAutoFit/>
+          </a:bodyPr>
+          <a:lstStyle/>
+          <a:p>
+            <a:pPr algn="l">
+              <a:lnSpc>
+                <a:spcPts val="8400"/>
+              </a:lnSpc>
+              <a:spcBef>
+                <a:spcPct val="0"/>
+              </a:spcBef>
+            </a:pPr>
+            <a:r>
+              <a:rPr lang="en-US" sz="6000" dirty="0">
+                <a:solidFill>
+                  <a:srgbClr val="0F0F0F"/>
+                </a:solidFill>
+                <a:latin typeface="League Spartan"/>
+                <a:ea typeface="League Spartan"/>
+                <a:cs typeface="League Spartan"/>
+                <a:sym typeface="League Spartan"/>
+              </a:rPr>
+              <a:t>Demo</a:t>
+            </a:r>
+          </a:p>
+        </p:txBody>
+      </p:sp>
+      <p:sp>
+        <p:nvSpPr>
+          <p:cNvPr id="6" name="TextBox 5">
+            <a:extLst>
+              <a:ext uri="{FF2B5EF4-FFF2-40B4-BE49-F238E27FC236}">
+                <a16:creationId xmlns:a16="http://schemas.microsoft.com/office/drawing/2014/main" id="{600D71A2-D7DF-43C5-2B08-44D0CB6BF3E5}"/>
+              </a:ext>
+            </a:extLst>
+          </p:cNvPr>
+          <p:cNvSpPr txBox="1"/>
+          <p:nvPr/>
+        </p:nvSpPr>
+        <p:spPr>
+          <a:xfrm>
+            <a:off x="1219887" y="1981373"/>
+            <a:ext cx="10820401" cy="523220"/>
+          </a:xfrm>
+          <a:prstGeom prst="rect">
+            <a:avLst/>
+          </a:prstGeom>
+          <a:noFill/>
+        </p:spPr>
+        <p:txBody>
+          <a:bodyPr wrap="square">
+            <a:spAutoFit/>
+          </a:bodyPr>
+          <a:lstStyle/>
+          <a:p>
+            <a:r>
+              <a:rPr lang="en-GB" sz="2800" dirty="0">
+                <a:hlinkClick r:id="rId2"/>
+              </a:rPr>
+              <a:t>momentum-builder.bluepebble-fb2e811b.uksouth.azurecontainerapps.io</a:t>
+            </a:r>
+            <a:endParaRPr lang="fr-FR" sz="2800" dirty="0"/>
+          </a:p>
+        </p:txBody>
+      </p:sp>
+      <p:pic>
+        <p:nvPicPr>
+          <p:cNvPr id="8" name="Picture 7">
+            <a:extLst>
+              <a:ext uri="{FF2B5EF4-FFF2-40B4-BE49-F238E27FC236}">
+                <a16:creationId xmlns:a16="http://schemas.microsoft.com/office/drawing/2014/main" id="{94981BE5-FA0A-8B69-489E-365AE6F2AB0D}"/>
+              </a:ext>
+            </a:extLst>
+          </p:cNvPr>
+          <p:cNvPicPr>
+            <a:picLocks noChangeAspect="1"/>
+          </p:cNvPicPr>
+          <p:nvPr/>
+        </p:nvPicPr>
+        <p:blipFill>
+          <a:blip r:embed="rId3"/>
+          <a:stretch>
+            <a:fillRect/>
+          </a:stretch>
+        </p:blipFill>
+        <p:spPr>
+          <a:xfrm>
+            <a:off x="1447800" y="2705100"/>
+            <a:ext cx="13260066" cy="7417001"/>
+          </a:xfrm>
+          <a:prstGeom prst="rect">
+            <a:avLst/>
+          </a:prstGeom>
+          <a:solidFill>
+            <a:srgbClr val="FFFFFF">
+              <a:shade val="85000"/>
+            </a:srgbClr>
+          </a:solidFill>
+          <a:ln w="190500" cap="rnd">
+            <a:solidFill>
+              <a:srgbClr val="FFFFFF"/>
+            </a:solidFill>
+          </a:ln>
+          <a:effectLst>
+            <a:outerShdw blurRad="50000" algn="tl" rotWithShape="0">
+              <a:srgbClr val="000000">
+                <a:alpha val="41000"/>
+              </a:srgbClr>
+            </a:outerShdw>
+          </a:effectLst>
+          <a:scene3d>
+            <a:camera prst="orthographicFront"/>
+            <a:lightRig rig="twoPt" dir="t">
+              <a:rot lat="0" lon="0" rev="7800000"/>
+            </a:lightRig>
+          </a:scene3d>
+          <a:sp3d contourW="6350">
+            <a:bevelT w="50800" h="16510"/>
+            <a:contourClr>
+              <a:srgbClr val="C0C0C0"/>
+            </a:contourClr>
+          </a:sp3d>
+        </p:spPr>
+      </p:pic>
+    </p:spTree>
+    <p:extLst>
+      <p:ext uri="{BB962C8B-B14F-4D97-AF65-F5344CB8AC3E}">
+        <p14:creationId xmlns:p14="http://schemas.microsoft.com/office/powerpoint/2010/main" val="1829067142"/>
+      </p:ext>
+    </p:extLst>
+  </p:cSld>
+  <p:clrMapOvr>
+    <a:masterClrMapping/>
+  </p:clrMapOvr>
+</p:sld>
+</file>
+
+<file path=ppt/slides/slide6.xml><?xml version="1.0" encoding="utf-8"?>
+<p:sld xmlns:a="http://schemas.openxmlformats.org/drawingml/2006/main" xmlns:r="http://schemas.openxmlformats.org/officeDocument/2006/relationships" xmlns:p="http://schemas.openxmlformats.org/presentationml/2006/main">
+  <p:cSld>
+    <p:spTree>
+      <p:nvGrpSpPr>
+        <p:cNvPr id="1" name=""/>
+        <p:cNvGrpSpPr/>
+        <p:nvPr/>
+      </p:nvGrpSpPr>
+      <p:grpSpPr>
+        <a:xfrm>
+          <a:off x="0" y="0"/>
+          <a:ext cx="0" cy="0"/>
+          <a:chOff x="0" y="0"/>
+          <a:chExt cx="0" cy="0"/>
+        </a:xfrm>
+      </p:grpSpPr>
+      <p:sp>
+        <p:nvSpPr>
+          <p:cNvPr id="2" name="TextBox 13">
+            <a:extLst>
+              <a:ext uri="{FF2B5EF4-FFF2-40B4-BE49-F238E27FC236}">
+                <a16:creationId xmlns:a16="http://schemas.microsoft.com/office/drawing/2014/main" id="{C025A945-5BC5-08AB-7102-94C617D2D4E5}"/>
+              </a:ext>
+            </a:extLst>
+          </p:cNvPr>
+          <p:cNvSpPr txBox="1"/>
+          <p:nvPr/>
+        </p:nvSpPr>
+        <p:spPr>
+          <a:xfrm>
+            <a:off x="2128058" y="4085518"/>
+            <a:ext cx="14031884" cy="1038746"/>
+          </a:xfrm>
+          <a:prstGeom prst="rect">
+            <a:avLst/>
+          </a:prstGeom>
+        </p:spPr>
+        <p:txBody>
+          <a:bodyPr lIns="0" tIns="0" rIns="0" bIns="0" rtlCol="0" anchor="t">
+            <a:spAutoFit/>
+          </a:bodyPr>
+          <a:lstStyle/>
+          <a:p>
+            <a:pPr algn="ctr">
+              <a:lnSpc>
+                <a:spcPts val="8400"/>
+              </a:lnSpc>
+              <a:spcBef>
+                <a:spcPct val="0"/>
+              </a:spcBef>
+            </a:pPr>
+            <a:r>
+              <a:rPr lang="en-US" sz="6000" dirty="0">
+                <a:solidFill>
+                  <a:srgbClr val="0F0F0F"/>
+                </a:solidFill>
+                <a:latin typeface="League Spartan"/>
+                <a:ea typeface="League Spartan"/>
+                <a:cs typeface="League Spartan"/>
+                <a:sym typeface="League Spartan"/>
+              </a:rPr>
+              <a:t>Thank you for listening</a:t>
+            </a:r>
+          </a:p>
+        </p:txBody>
+      </p:sp>
+    </p:spTree>
+    <p:extLst>
+      <p:ext uri="{BB962C8B-B14F-4D97-AF65-F5344CB8AC3E}">
+        <p14:creationId xmlns:p14="http://schemas.microsoft.com/office/powerpoint/2010/main" val="3498898407"/>
+      </p:ext>
+    </p:extLst>
+  </p:cSld>
+  <p:clrMapOvr>
+    <a:masterClrMapping/>
+  </p:clrMapOvr>
 </p:sld>
 </file>
 
